--- a/C8/SoFar.pptx
+++ b/C8/SoFar.pptx
@@ -10,7 +10,8 @@
     <p:sldId id="256" r:id="rId4"/>
     <p:sldId id="391" r:id="rId5"/>
     <p:sldId id="392" r:id="rId6"/>
-    <p:sldId id="393" r:id="rId7"/>
+    <p:sldId id="395" r:id="rId7"/>
+    <p:sldId id="393" r:id="rId8"/>
   </p:sldIdLst>
   <p:sldSz cx="12192000" cy="6858000"/>
   <p:notesSz cx="6858000" cy="9144000"/>
@@ -8108,7 +8109,7 @@
           <a:graphicData uri="http://schemas.openxmlformats.org/presentationml/2006/ole">
             <mc:AlternateContent xmlns:mc="http://schemas.openxmlformats.org/markup-compatibility/2006">
               <mc:Choice xmlns:v="urn:schemas-microsoft-com:vml" Requires="v">
-                <p:oleObj spid="_x0000_s1047" name="Equation" r:id="rId3" imgW="1815840" imgH="749160" progId="Equation.3">
+                <p:oleObj spid="_x0000_s1048" name="Equation" r:id="rId3" imgW="1815840" imgH="749160" progId="Equation.3">
                   <p:embed/>
                 </p:oleObj>
               </mc:Choice>
@@ -11738,7 +11739,15 @@
             <a:pPr lvl="1"/>
             <a:r>
               <a:rPr lang="en-US" dirty="0"/>
-              <a:t>Galaxy </a:t>
+              <a:t>Galaxy, </a:t>
+            </a:r>
+            <a:r>
+              <a:rPr lang="en-US" dirty="0" err="1"/>
+              <a:t>edirect</a:t>
+            </a:r>
+            <a:r>
+              <a:rPr lang="en-US" dirty="0"/>
+              <a:t> </a:t>
             </a:r>
           </a:p>
         </p:txBody>
@@ -11876,6 +11885,243 @@
       </p:grpSpPr>
       <p:sp>
         <p:nvSpPr>
+          <p:cNvPr id="2" name="Title 1">
+            <a:extLst>
+              <a:ext uri="{FF2B5EF4-FFF2-40B4-BE49-F238E27FC236}">
+                <a16:creationId xmlns:a16="http://schemas.microsoft.com/office/drawing/2014/main" id="{B05CA87E-0823-4B28-951E-E54BF1A88B5A}"/>
+              </a:ext>
+            </a:extLst>
+          </p:cNvPr>
+          <p:cNvSpPr>
+            <a:spLocks noGrp="1"/>
+          </p:cNvSpPr>
+          <p:nvPr>
+            <p:ph type="title"/>
+          </p:nvPr>
+        </p:nvSpPr>
+        <p:spPr/>
+        <p:txBody>
+          <a:bodyPr/>
+          <a:lstStyle/>
+          <a:p>
+            <a:r>
+              <a:rPr lang="en-US" dirty="0"/>
+              <a:t>Mid-term</a:t>
+            </a:r>
+          </a:p>
+        </p:txBody>
+      </p:sp>
+      <p:sp>
+        <p:nvSpPr>
+          <p:cNvPr id="3" name="Content Placeholder 2">
+            <a:extLst>
+              <a:ext uri="{FF2B5EF4-FFF2-40B4-BE49-F238E27FC236}">
+                <a16:creationId xmlns:a16="http://schemas.microsoft.com/office/drawing/2014/main" id="{C3C0581F-484D-4482-A118-EABEDD280559}"/>
+              </a:ext>
+            </a:extLst>
+          </p:cNvPr>
+          <p:cNvSpPr>
+            <a:spLocks noGrp="1"/>
+          </p:cNvSpPr>
+          <p:nvPr>
+            <p:ph idx="1"/>
+          </p:nvPr>
+        </p:nvSpPr>
+        <p:spPr/>
+        <p:txBody>
+          <a:bodyPr/>
+          <a:lstStyle/>
+          <a:p>
+            <a:r>
+              <a:rPr lang="en-US" dirty="0"/>
+              <a:t>Do you know NCBI also has sequence information other than humans?</a:t>
+            </a:r>
+          </a:p>
+          <a:p>
+            <a:pPr lvl="1"/>
+            <a:r>
+              <a:rPr lang="en-US" dirty="0"/>
+              <a:t>Other animals, plants and viruses</a:t>
+            </a:r>
+          </a:p>
+          <a:p>
+            <a:r>
+              <a:rPr lang="en-US" dirty="0"/>
+              <a:t>Brush up your </a:t>
+            </a:r>
+            <a:r>
+              <a:rPr lang="en-US" dirty="0" err="1"/>
+              <a:t>edirect</a:t>
+            </a:r>
+            <a:r>
+              <a:rPr lang="en-US" dirty="0"/>
+              <a:t> skills </a:t>
+            </a:r>
+          </a:p>
+          <a:p>
+            <a:pPr lvl="1"/>
+            <a:r>
+              <a:rPr lang="en-US" dirty="0"/>
+              <a:t>Sequence extraction and reporting</a:t>
+            </a:r>
+          </a:p>
+          <a:p>
+            <a:r>
+              <a:rPr lang="en-US" dirty="0"/>
+              <a:t>MSA using Galaxy </a:t>
+            </a:r>
+          </a:p>
+          <a:p>
+            <a:pPr lvl="1"/>
+            <a:r>
+              <a:rPr lang="en-US" dirty="0"/>
+              <a:t>Loading a file or </a:t>
+            </a:r>
+            <a:r>
+              <a:rPr lang="en-US" dirty="0" err="1"/>
+              <a:t>fasta</a:t>
+            </a:r>
+            <a:r>
+              <a:rPr lang="en-US" dirty="0"/>
+              <a:t> sequence(s) and carrying out a simple alignment and reporting the results.</a:t>
+            </a:r>
+          </a:p>
+        </p:txBody>
+      </p:sp>
+      <p:sp>
+        <p:nvSpPr>
+          <p:cNvPr id="4" name="Date Placeholder 3">
+            <a:extLst>
+              <a:ext uri="{FF2B5EF4-FFF2-40B4-BE49-F238E27FC236}">
+                <a16:creationId xmlns:a16="http://schemas.microsoft.com/office/drawing/2014/main" id="{3ACD08C0-026F-48CD-909E-7670FF2EBCB7}"/>
+              </a:ext>
+            </a:extLst>
+          </p:cNvPr>
+          <p:cNvSpPr>
+            <a:spLocks noGrp="1"/>
+          </p:cNvSpPr>
+          <p:nvPr>
+            <p:ph type="dt" sz="half" idx="10"/>
+          </p:nvPr>
+        </p:nvSpPr>
+        <p:spPr/>
+        <p:txBody>
+          <a:bodyPr/>
+          <a:lstStyle/>
+          <a:p>
+            <a:pPr>
+              <a:defRPr/>
+            </a:pPr>
+            <a:fld id="{5489F1E0-68CF-4170-BEB2-59E850CFC780}" type="datetime1">
+              <a:rPr lang="en-US" altLang="en-US" smtClean="0"/>
+              <a:pPr>
+                <a:defRPr/>
+              </a:pPr>
+              <a:t>3/5/2020</a:t>
+            </a:fld>
+            <a:endParaRPr lang="en-US" altLang="en-US"/>
+          </a:p>
+        </p:txBody>
+      </p:sp>
+      <p:sp>
+        <p:nvSpPr>
+          <p:cNvPr id="5" name="Footer Placeholder 4">
+            <a:extLst>
+              <a:ext uri="{FF2B5EF4-FFF2-40B4-BE49-F238E27FC236}">
+                <a16:creationId xmlns:a16="http://schemas.microsoft.com/office/drawing/2014/main" id="{268A4BF4-1EE0-4CE3-BBBB-B42671EC0037}"/>
+              </a:ext>
+            </a:extLst>
+          </p:cNvPr>
+          <p:cNvSpPr>
+            <a:spLocks noGrp="1"/>
+          </p:cNvSpPr>
+          <p:nvPr>
+            <p:ph type="ftr" sz="quarter" idx="11"/>
+          </p:nvPr>
+        </p:nvSpPr>
+        <p:spPr/>
+        <p:txBody>
+          <a:bodyPr/>
+          <a:lstStyle/>
+          <a:p>
+            <a:pPr>
+              <a:defRPr/>
+            </a:pPr>
+            <a:r>
+              <a:rPr lang="en-US" altLang="en-US"/>
+              <a:t>S. Ravichandran, Ph.D.</a:t>
+            </a:r>
+            <a:endParaRPr lang="en-US" altLang="en-US" dirty="0"/>
+          </a:p>
+        </p:txBody>
+      </p:sp>
+      <p:sp>
+        <p:nvSpPr>
+          <p:cNvPr id="6" name="Slide Number Placeholder 5">
+            <a:extLst>
+              <a:ext uri="{FF2B5EF4-FFF2-40B4-BE49-F238E27FC236}">
+                <a16:creationId xmlns:a16="http://schemas.microsoft.com/office/drawing/2014/main" id="{72604FC9-1D00-4207-9D3C-9E76F19343D1}"/>
+              </a:ext>
+            </a:extLst>
+          </p:cNvPr>
+          <p:cNvSpPr>
+            <a:spLocks noGrp="1"/>
+          </p:cNvSpPr>
+          <p:nvPr>
+            <p:ph type="sldNum" sz="quarter" idx="12"/>
+          </p:nvPr>
+        </p:nvSpPr>
+        <p:spPr/>
+        <p:txBody>
+          <a:bodyPr/>
+          <a:lstStyle/>
+          <a:p>
+            <a:pPr>
+              <a:defRPr/>
+            </a:pPr>
+            <a:fld id="{7E472018-9D79-4FCB-B3AD-66C53AD05DA1}" type="slidenum">
+              <a:rPr lang="en-US" altLang="en-US" smtClean="0"/>
+              <a:pPr>
+                <a:defRPr/>
+              </a:pPr>
+              <a:t>5</a:t>
+            </a:fld>
+            <a:endParaRPr lang="en-US" altLang="en-US"/>
+          </a:p>
+        </p:txBody>
+      </p:sp>
+    </p:spTree>
+    <p:extLst>
+      <p:ext uri="{BB962C8B-B14F-4D97-AF65-F5344CB8AC3E}">
+        <p14:creationId xmlns:p14="http://schemas.microsoft.com/office/powerpoint/2010/main" val="2940549953"/>
+      </p:ext>
+    </p:extLst>
+  </p:cSld>
+  <p:clrMapOvr>
+    <a:masterClrMapping/>
+  </p:clrMapOvr>
+</p:sld>
+</file>
+
+<file path=ppt/slides/slide6.xml><?xml version="1.0" encoding="utf-8"?>
+<p:sld xmlns:a="http://schemas.openxmlformats.org/drawingml/2006/main" xmlns:r="http://schemas.openxmlformats.org/officeDocument/2006/relationships" xmlns:p="http://schemas.openxmlformats.org/presentationml/2006/main">
+  <p:cSld>
+    <p:spTree>
+      <p:nvGrpSpPr>
+        <p:cNvPr id="1" name=""/>
+        <p:cNvGrpSpPr/>
+        <p:nvPr/>
+      </p:nvGrpSpPr>
+      <p:grpSpPr>
+        <a:xfrm>
+          <a:off x="0" y="0"/>
+          <a:ext cx="0" cy="0"/>
+          <a:chOff x="0" y="0"/>
+          <a:chExt cx="0" cy="0"/>
+        </a:xfrm>
+      </p:grpSpPr>
+      <p:sp>
+        <p:nvSpPr>
           <p:cNvPr id="5" name="Title 4">
             <a:extLst>
               <a:ext uri="{FF2B5EF4-FFF2-40B4-BE49-F238E27FC236}">
@@ -12211,7 +12457,7 @@
               <a:pPr>
                 <a:defRPr/>
               </a:pPr>
-              <a:t>5</a:t>
+              <a:t>6</a:t>
             </a:fld>
             <a:endParaRPr lang="en-US" altLang="en-US" dirty="0"/>
           </a:p>

--- a/C8/SoFar.pptx
+++ b/C8/SoFar.pptx
@@ -265,7 +265,7 @@
           <a:p>
             <a:fld id="{E6512DA1-F558-4E10-BF3B-CDCFEB4438BE}" type="datetimeFigureOut">
               <a:rPr lang="en-US" smtClean="0"/>
-              <a:t>3/5/2020</a:t>
+              <a:t>3/6/2020</a:t>
             </a:fld>
             <a:endParaRPr lang="en-US"/>
           </a:p>
@@ -463,7 +463,7 @@
           <a:p>
             <a:fld id="{E6512DA1-F558-4E10-BF3B-CDCFEB4438BE}" type="datetimeFigureOut">
               <a:rPr lang="en-US" smtClean="0"/>
-              <a:t>3/5/2020</a:t>
+              <a:t>3/6/2020</a:t>
             </a:fld>
             <a:endParaRPr lang="en-US"/>
           </a:p>
@@ -671,7 +671,7 @@
           <a:p>
             <a:fld id="{E6512DA1-F558-4E10-BF3B-CDCFEB4438BE}" type="datetimeFigureOut">
               <a:rPr lang="en-US" smtClean="0"/>
-              <a:t>3/5/2020</a:t>
+              <a:t>3/6/2020</a:t>
             </a:fld>
             <a:endParaRPr lang="en-US"/>
           </a:p>
@@ -883,7 +883,7 @@
               <a:pPr>
                 <a:defRPr/>
               </a:pPr>
-              <a:t>3/5/2020</a:t>
+              <a:t>3/6/2020</a:t>
             </a:fld>
             <a:endParaRPr lang="en-US" altLang="en-US"/>
           </a:p>
@@ -1083,7 +1083,7 @@
               <a:pPr>
                 <a:defRPr/>
               </a:pPr>
-              <a:t>3/5/2020</a:t>
+              <a:t>3/6/2020</a:t>
             </a:fld>
             <a:endParaRPr lang="en-US" altLang="en-US"/>
           </a:p>
@@ -1308,7 +1308,7 @@
               <a:pPr>
                 <a:defRPr/>
               </a:pPr>
-              <a:t>3/5/2020</a:t>
+              <a:t>3/6/2020</a:t>
             </a:fld>
             <a:endParaRPr lang="en-US" altLang="en-US"/>
           </a:p>
@@ -1567,7 +1567,7 @@
               <a:pPr>
                 <a:defRPr/>
               </a:pPr>
-              <a:t>3/5/2020</a:t>
+              <a:t>3/6/2020</a:t>
             </a:fld>
             <a:endParaRPr lang="en-US" altLang="en-US"/>
           </a:p>
@@ -1961,7 +1961,7 @@
               <a:pPr>
                 <a:defRPr/>
               </a:pPr>
-              <a:t>3/5/2020</a:t>
+              <a:t>3/6/2020</a:t>
             </a:fld>
             <a:endParaRPr lang="en-US" altLang="en-US"/>
           </a:p>
@@ -2108,7 +2108,7 @@
               <a:pPr>
                 <a:defRPr/>
               </a:pPr>
-              <a:t>3/5/2020</a:t>
+              <a:t>3/6/2020</a:t>
             </a:fld>
             <a:endParaRPr lang="en-US" altLang="en-US"/>
           </a:p>
@@ -2233,7 +2233,7 @@
               <a:pPr>
                 <a:defRPr/>
               </a:pPr>
-              <a:t>3/5/2020</a:t>
+              <a:t>3/6/2020</a:t>
             </a:fld>
             <a:endParaRPr lang="en-US" altLang="en-US"/>
           </a:p>
@@ -2538,7 +2538,7 @@
               <a:pPr>
                 <a:defRPr/>
               </a:pPr>
-              <a:t>3/5/2020</a:t>
+              <a:t>3/6/2020</a:t>
             </a:fld>
             <a:endParaRPr lang="en-US" altLang="en-US"/>
           </a:p>
@@ -2744,7 +2744,7 @@
           <a:p>
             <a:fld id="{E6512DA1-F558-4E10-BF3B-CDCFEB4438BE}" type="datetimeFigureOut">
               <a:rPr lang="en-US" smtClean="0"/>
-              <a:t>3/5/2020</a:t>
+              <a:t>3/6/2020</a:t>
             </a:fld>
             <a:endParaRPr lang="en-US"/>
           </a:p>
@@ -3019,7 +3019,7 @@
               <a:pPr>
                 <a:defRPr/>
               </a:pPr>
-              <a:t>3/5/2020</a:t>
+              <a:t>3/6/2020</a:t>
             </a:fld>
             <a:endParaRPr lang="en-US" altLang="en-US"/>
           </a:p>
@@ -3217,7 +3217,7 @@
               <a:pPr>
                 <a:defRPr/>
               </a:pPr>
-              <a:t>3/5/2020</a:t>
+              <a:t>3/6/2020</a:t>
             </a:fld>
             <a:endParaRPr lang="en-US" altLang="en-US"/>
           </a:p>
@@ -3425,7 +3425,7 @@
               <a:pPr>
                 <a:defRPr/>
               </a:pPr>
-              <a:t>3/5/2020</a:t>
+              <a:t>3/6/2020</a:t>
             </a:fld>
             <a:endParaRPr lang="en-US" altLang="en-US"/>
           </a:p>
@@ -3708,7 +3708,7 @@
           <a:p>
             <a:fld id="{E6512DA1-F558-4E10-BF3B-CDCFEB4438BE}" type="datetimeFigureOut">
               <a:rPr lang="en-US" smtClean="0"/>
-              <a:t>3/5/2020</a:t>
+              <a:t>3/6/2020</a:t>
             </a:fld>
             <a:endParaRPr lang="en-US"/>
           </a:p>
@@ -3973,7 +3973,7 @@
           <a:p>
             <a:fld id="{E6512DA1-F558-4E10-BF3B-CDCFEB4438BE}" type="datetimeFigureOut">
               <a:rPr lang="en-US" smtClean="0"/>
-              <a:t>3/5/2020</a:t>
+              <a:t>3/6/2020</a:t>
             </a:fld>
             <a:endParaRPr lang="en-US"/>
           </a:p>
@@ -4385,7 +4385,7 @@
           <a:p>
             <a:fld id="{E6512DA1-F558-4E10-BF3B-CDCFEB4438BE}" type="datetimeFigureOut">
               <a:rPr lang="en-US" smtClean="0"/>
-              <a:t>3/5/2020</a:t>
+              <a:t>3/6/2020</a:t>
             </a:fld>
             <a:endParaRPr lang="en-US"/>
           </a:p>
@@ -4526,7 +4526,7 @@
           <a:p>
             <a:fld id="{E6512DA1-F558-4E10-BF3B-CDCFEB4438BE}" type="datetimeFigureOut">
               <a:rPr lang="en-US" smtClean="0"/>
-              <a:t>3/5/2020</a:t>
+              <a:t>3/6/2020</a:t>
             </a:fld>
             <a:endParaRPr lang="en-US"/>
           </a:p>
@@ -4639,7 +4639,7 @@
           <a:p>
             <a:fld id="{E6512DA1-F558-4E10-BF3B-CDCFEB4438BE}" type="datetimeFigureOut">
               <a:rPr lang="en-US" smtClean="0"/>
-              <a:t>3/5/2020</a:t>
+              <a:t>3/6/2020</a:t>
             </a:fld>
             <a:endParaRPr lang="en-US"/>
           </a:p>
@@ -4950,7 +4950,7 @@
           <a:p>
             <a:fld id="{E6512DA1-F558-4E10-BF3B-CDCFEB4438BE}" type="datetimeFigureOut">
               <a:rPr lang="en-US" smtClean="0"/>
-              <a:t>3/5/2020</a:t>
+              <a:t>3/6/2020</a:t>
             </a:fld>
             <a:endParaRPr lang="en-US"/>
           </a:p>
@@ -5238,7 +5238,7 @@
           <a:p>
             <a:fld id="{E6512DA1-F558-4E10-BF3B-CDCFEB4438BE}" type="datetimeFigureOut">
               <a:rPr lang="en-US" smtClean="0"/>
-              <a:t>3/5/2020</a:t>
+              <a:t>3/6/2020</a:t>
             </a:fld>
             <a:endParaRPr lang="en-US"/>
           </a:p>
@@ -5479,7 +5479,7 @@
           <a:p>
             <a:fld id="{E6512DA1-F558-4E10-BF3B-CDCFEB4438BE}" type="datetimeFigureOut">
               <a:rPr lang="en-US" smtClean="0"/>
-              <a:t>3/5/2020</a:t>
+              <a:t>3/6/2020</a:t>
             </a:fld>
             <a:endParaRPr lang="en-US"/>
           </a:p>
@@ -6156,7 +6156,7 @@
                 </a:spcAft>
                 <a:defRPr/>
               </a:pPr>
-              <a:t>3/5/2020</a:t>
+              <a:t>3/6/2020</a:t>
             </a:fld>
             <a:endParaRPr lang="en-US" altLang="en-US"/>
           </a:p>
@@ -8109,7 +8109,7 @@
           <a:graphicData uri="http://schemas.openxmlformats.org/presentationml/2006/ole">
             <mc:AlternateContent xmlns:mc="http://schemas.openxmlformats.org/markup-compatibility/2006">
               <mc:Choice xmlns:v="urn:schemas-microsoft-com:vml" Requires="v">
-                <p:oleObj spid="_x0000_s1048" name="Equation" r:id="rId3" imgW="1815840" imgH="749160" progId="Equation.3">
+                <p:oleObj spid="_x0000_s1050" name="Equation" r:id="rId3" imgW="1815840" imgH="749160" progId="Equation.3">
                   <p:embed/>
                 </p:oleObj>
               </mc:Choice>
@@ -11467,7 +11467,7 @@
               <a:pPr>
                 <a:defRPr/>
               </a:pPr>
-              <a:t>3/5/2020</a:t>
+              <a:t>3/6/2020</a:t>
             </a:fld>
             <a:endParaRPr lang="en-US" altLang="en-US">
               <a:latin typeface="Arial"/>
@@ -11781,7 +11781,7 @@
               <a:pPr>
                 <a:defRPr/>
               </a:pPr>
-              <a:t>3/5/2020</a:t>
+              <a:t>3/6/2020</a:t>
             </a:fld>
             <a:endParaRPr lang="en-US" altLang="en-US"/>
           </a:p>
@@ -12017,7 +12017,7 @@
               <a:pPr>
                 <a:defRPr/>
               </a:pPr>
-              <a:t>3/5/2020</a:t>
+              <a:t>3/6/2020</a:t>
             </a:fld>
             <a:endParaRPr lang="en-US" altLang="en-US"/>
           </a:p>
@@ -12192,13 +12192,18 @@
           <a:p>
             <a:r>
               <a:rPr lang="en-US" dirty="0"/>
-              <a:t>March 19  Midterm</a:t>
-            </a:r>
+              <a:t>March 19 Adv </a:t>
+            </a:r>
+            <a:r>
+              <a:rPr lang="en-US"/>
+              <a:t>BLAST  </a:t>
+            </a:r>
+            <a:endParaRPr lang="en-US" dirty="0"/>
           </a:p>
           <a:p>
             <a:r>
               <a:rPr lang="en-US" dirty="0"/>
-              <a:t>March 26  Adv BLAST Phylogeny</a:t>
+              <a:t>March 26 Midterm</a:t>
             </a:r>
           </a:p>
           <a:p>
@@ -12391,7 +12396,7 @@
               <a:pPr>
                 <a:defRPr/>
               </a:pPr>
-              <a:t>3/5/2020</a:t>
+              <a:t>3/6/2020</a:t>
             </a:fld>
             <a:endParaRPr lang="en-US" altLang="en-US"/>
           </a:p>
